--- a/Group 14.pptx
+++ b/Group 14.pptx
@@ -840,7 +840,7 @@
           <a:p>
             <a:fld id="{4CDA0734-6088-4A11-8A2B-97B609E3D287}" type="datetimeFigureOut">
               <a:rPr lang="en-GB" smtClean="0"/>
-              <a:t>12/10/2016</a:t>
+              <a:t>16/10/2016</a:t>
             </a:fld>
             <a:endParaRPr lang="en-GB"/>
           </a:p>
@@ -1091,7 +1091,7 @@
           <a:p>
             <a:fld id="{4CDA0734-6088-4A11-8A2B-97B609E3D287}" type="datetimeFigureOut">
               <a:rPr lang="en-GB" smtClean="0"/>
-              <a:t>12/10/2016</a:t>
+              <a:t>16/10/2016</a:t>
             </a:fld>
             <a:endParaRPr lang="en-GB"/>
           </a:p>
@@ -1405,7 +1405,7 @@
           <a:p>
             <a:fld id="{4CDA0734-6088-4A11-8A2B-97B609E3D287}" type="datetimeFigureOut">
               <a:rPr lang="en-GB" smtClean="0"/>
-              <a:t>12/10/2016</a:t>
+              <a:t>16/10/2016</a:t>
             </a:fld>
             <a:endParaRPr lang="en-GB"/>
           </a:p>
@@ -1746,7 +1746,7 @@
           <a:p>
             <a:fld id="{4CDA0734-6088-4A11-8A2B-97B609E3D287}" type="datetimeFigureOut">
               <a:rPr lang="en-GB" smtClean="0"/>
-              <a:t>12/10/2016</a:t>
+              <a:t>16/10/2016</a:t>
             </a:fld>
             <a:endParaRPr lang="en-GB"/>
           </a:p>
@@ -2060,7 +2060,7 @@
           <a:p>
             <a:fld id="{4CDA0734-6088-4A11-8A2B-97B609E3D287}" type="datetimeFigureOut">
               <a:rPr lang="en-GB" smtClean="0"/>
-              <a:t>12/10/2016</a:t>
+              <a:t>16/10/2016</a:t>
             </a:fld>
             <a:endParaRPr lang="en-GB"/>
           </a:p>
@@ -2453,7 +2453,7 @@
           <a:p>
             <a:fld id="{4CDA0734-6088-4A11-8A2B-97B609E3D287}" type="datetimeFigureOut">
               <a:rPr lang="en-GB" smtClean="0"/>
-              <a:t>12/10/2016</a:t>
+              <a:t>16/10/2016</a:t>
             </a:fld>
             <a:endParaRPr lang="en-GB"/>
           </a:p>
@@ -2623,7 +2623,7 @@
           <a:p>
             <a:fld id="{4CDA0734-6088-4A11-8A2B-97B609E3D287}" type="datetimeFigureOut">
               <a:rPr lang="en-GB" smtClean="0"/>
-              <a:t>12/10/2016</a:t>
+              <a:t>16/10/2016</a:t>
             </a:fld>
             <a:endParaRPr lang="en-GB"/>
           </a:p>
@@ -2803,7 +2803,7 @@
           <a:p>
             <a:fld id="{4CDA0734-6088-4A11-8A2B-97B609E3D287}" type="datetimeFigureOut">
               <a:rPr lang="en-GB" smtClean="0"/>
-              <a:t>12/10/2016</a:t>
+              <a:t>16/10/2016</a:t>
             </a:fld>
             <a:endParaRPr lang="en-GB"/>
           </a:p>
@@ -2979,7 +2979,7 @@
           <a:p>
             <a:fld id="{4CDA0734-6088-4A11-8A2B-97B609E3D287}" type="datetimeFigureOut">
               <a:rPr lang="en-GB" smtClean="0"/>
-              <a:t>12/10/2016</a:t>
+              <a:t>16/10/2016</a:t>
             </a:fld>
             <a:endParaRPr lang="en-GB"/>
           </a:p>
@@ -3226,7 +3226,7 @@
           <a:p>
             <a:fld id="{4CDA0734-6088-4A11-8A2B-97B609E3D287}" type="datetimeFigureOut">
               <a:rPr lang="en-GB" smtClean="0"/>
-              <a:t>12/10/2016</a:t>
+              <a:t>16/10/2016</a:t>
             </a:fld>
             <a:endParaRPr lang="en-GB"/>
           </a:p>
@@ -3458,7 +3458,7 @@
           <a:p>
             <a:fld id="{4CDA0734-6088-4A11-8A2B-97B609E3D287}" type="datetimeFigureOut">
               <a:rPr lang="en-GB" smtClean="0"/>
-              <a:t>12/10/2016</a:t>
+              <a:t>16/10/2016</a:t>
             </a:fld>
             <a:endParaRPr lang="en-GB"/>
           </a:p>
@@ -3832,7 +3832,7 @@
           <a:p>
             <a:fld id="{4CDA0734-6088-4A11-8A2B-97B609E3D287}" type="datetimeFigureOut">
               <a:rPr lang="en-GB" smtClean="0"/>
-              <a:t>12/10/2016</a:t>
+              <a:t>16/10/2016</a:t>
             </a:fld>
             <a:endParaRPr lang="en-GB"/>
           </a:p>
@@ -3955,7 +3955,7 @@
           <a:p>
             <a:fld id="{4CDA0734-6088-4A11-8A2B-97B609E3D287}" type="datetimeFigureOut">
               <a:rPr lang="en-GB" smtClean="0"/>
-              <a:t>12/10/2016</a:t>
+              <a:t>16/10/2016</a:t>
             </a:fld>
             <a:endParaRPr lang="en-GB"/>
           </a:p>
@@ -4050,7 +4050,7 @@
           <a:p>
             <a:fld id="{4CDA0734-6088-4A11-8A2B-97B609E3D287}" type="datetimeFigureOut">
               <a:rPr lang="en-GB" smtClean="0"/>
-              <a:t>12/10/2016</a:t>
+              <a:t>16/10/2016</a:t>
             </a:fld>
             <a:endParaRPr lang="en-GB"/>
           </a:p>
@@ -4305,7 +4305,7 @@
           <a:p>
             <a:fld id="{4CDA0734-6088-4A11-8A2B-97B609E3D287}" type="datetimeFigureOut">
               <a:rPr lang="en-GB" smtClean="0"/>
-              <a:t>12/10/2016</a:t>
+              <a:t>16/10/2016</a:t>
             </a:fld>
             <a:endParaRPr lang="en-GB"/>
           </a:p>
@@ -4568,7 +4568,7 @@
           <a:p>
             <a:fld id="{4CDA0734-6088-4A11-8A2B-97B609E3D287}" type="datetimeFigureOut">
               <a:rPr lang="en-GB" smtClean="0"/>
-              <a:t>12/10/2016</a:t>
+              <a:t>16/10/2016</a:t>
             </a:fld>
             <a:endParaRPr lang="en-GB"/>
           </a:p>
@@ -5311,7 +5311,7 @@
           <a:p>
             <a:fld id="{4CDA0734-6088-4A11-8A2B-97B609E3D287}" type="datetimeFigureOut">
               <a:rPr lang="en-GB" smtClean="0"/>
-              <a:t>12/10/2016</a:t>
+              <a:t>16/10/2016</a:t>
             </a:fld>
             <a:endParaRPr lang="en-GB"/>
           </a:p>
@@ -6224,22 +6224,1999 @@
           </a:p>
         </p:txBody>
       </p:sp>
-      <p:sp>
-        <p:nvSpPr>
-          <p:cNvPr id="3" name="Content Placeholder 2"/>
-          <p:cNvSpPr>
-            <a:spLocks noGrp="1"/>
-          </p:cNvSpPr>
-          <p:nvPr>
-            <p:ph idx="1"/>
-          </p:nvPr>
-        </p:nvSpPr>
-        <p:spPr/>
-        <p:txBody>
-          <a:bodyPr/>
+      <p:pic>
+        <p:nvPicPr>
+          <p:cNvPr id="2051" name="Picture 15" descr="Image result for winston worm"/>
+          <p:cNvPicPr>
+            <a:picLocks noChangeAspect="1" noChangeArrowheads="1"/>
+          </p:cNvPicPr>
+          <p:nvPr/>
+        </p:nvPicPr>
+        <p:blipFill>
+          <a:blip r:embed="rId2">
+            <a:extLst>
+              <a:ext uri="{28A0092B-C50C-407E-A947-70E740481C1C}">
+                <a14:useLocalDpi xmlns:a14="http://schemas.microsoft.com/office/drawing/2010/main" val="0"/>
+              </a:ext>
+            </a:extLst>
+          </a:blip>
+          <a:srcRect t="14697" b="15849"/>
+          <a:stretch>
+            <a:fillRect/>
+          </a:stretch>
+        </p:blipFill>
+        <p:spPr bwMode="auto">
+          <a:xfrm>
+            <a:off x="636419" y="3781424"/>
+            <a:ext cx="1749426" cy="1614488"/>
+          </a:xfrm>
+          <a:prstGeom prst="rect">
+            <a:avLst/>
+          </a:prstGeom>
+          <a:noFill/>
+          <a:extLst>
+            <a:ext uri="{909E8E84-426E-40DD-AFC4-6F175D3DCCD1}">
+              <a14:hiddenFill xmlns:a14="http://schemas.microsoft.com/office/drawing/2010/main">
+                <a:solidFill>
+                  <a:srgbClr val="FFFFFF"/>
+                </a:solidFill>
+              </a14:hiddenFill>
+            </a:ext>
+          </a:extLst>
+        </p:spPr>
+      </p:pic>
+      <p:pic>
+        <p:nvPicPr>
+          <p:cNvPr id="2056" name="Picture 8" descr="Image result for world globe puzzle"/>
+          <p:cNvPicPr>
+            <a:picLocks noChangeAspect="1" noChangeArrowheads="1"/>
+          </p:cNvPicPr>
+          <p:nvPr/>
+        </p:nvPicPr>
+        <p:blipFill>
+          <a:blip r:embed="rId3">
+            <a:extLst>
+              <a:ext uri="{28A0092B-C50C-407E-A947-70E740481C1C}">
+                <a14:useLocalDpi xmlns:a14="http://schemas.microsoft.com/office/drawing/2010/main" val="0"/>
+              </a:ext>
+            </a:extLst>
+          </a:blip>
+          <a:srcRect/>
+          <a:stretch>
+            <a:fillRect/>
+          </a:stretch>
+        </p:blipFill>
+        <p:spPr bwMode="auto">
+          <a:xfrm>
+            <a:off x="3395495" y="1356751"/>
+            <a:ext cx="1400175" cy="1400175"/>
+          </a:xfrm>
+          <a:prstGeom prst="rect">
+            <a:avLst/>
+          </a:prstGeom>
+          <a:noFill/>
+          <a:extLst>
+            <a:ext uri="{909E8E84-426E-40DD-AFC4-6F175D3DCCD1}">
+              <a14:hiddenFill xmlns:a14="http://schemas.microsoft.com/office/drawing/2010/main">
+                <a:solidFill>
+                  <a:srgbClr val="FFFFFF"/>
+                </a:solidFill>
+              </a14:hiddenFill>
+            </a:ext>
+          </a:extLst>
+        </p:spPr>
+      </p:pic>
+      <p:pic>
+        <p:nvPicPr>
+          <p:cNvPr id="2061" name="Picture 11" descr="Image result for films not in chronological order"/>
+          <p:cNvPicPr>
+            <a:picLocks noChangeAspect="1" noChangeArrowheads="1"/>
+          </p:cNvPicPr>
+          <p:nvPr/>
+        </p:nvPicPr>
+        <p:blipFill>
+          <a:blip r:embed="rId4" cstate="print">
+            <a:extLst>
+              <a:ext uri="{28A0092B-C50C-407E-A947-70E740481C1C}">
+                <a14:useLocalDpi xmlns:a14="http://schemas.microsoft.com/office/drawing/2010/main" val="0"/>
+              </a:ext>
+            </a:extLst>
+          </a:blip>
+          <a:srcRect/>
+          <a:stretch>
+            <a:fillRect/>
+          </a:stretch>
+        </p:blipFill>
+        <p:spPr bwMode="auto">
+          <a:xfrm>
+            <a:off x="6906244" y="1356852"/>
+            <a:ext cx="2482850" cy="1570038"/>
+          </a:xfrm>
+          <a:prstGeom prst="rect">
+            <a:avLst/>
+          </a:prstGeom>
+          <a:noFill/>
+          <a:extLst>
+            <a:ext uri="{909E8E84-426E-40DD-AFC4-6F175D3DCCD1}">
+              <a14:hiddenFill xmlns:a14="http://schemas.microsoft.com/office/drawing/2010/main">
+                <a:solidFill>
+                  <a:srgbClr val="FFFFFF"/>
+                </a:solidFill>
+              </a14:hiddenFill>
+            </a:ext>
+          </a:extLst>
+        </p:spPr>
+      </p:pic>
+      <p:sp>
+        <p:nvSpPr>
+          <p:cNvPr id="4" name="Text Box 12"/>
+          <p:cNvSpPr txBox="1">
+            <a:spLocks noChangeArrowheads="1"/>
+          </p:cNvSpPr>
+          <p:nvPr/>
+        </p:nvSpPr>
+        <p:spPr bwMode="auto">
+          <a:xfrm>
+            <a:off x="3629108" y="3017001"/>
+            <a:ext cx="2574925" cy="307777"/>
+          </a:xfrm>
+          <a:prstGeom prst="rect">
+            <a:avLst/>
+          </a:prstGeom>
+          <a:solidFill>
+            <a:srgbClr val="FFFFFF"/>
+          </a:solidFill>
+          <a:ln w="9525">
+            <a:solidFill>
+              <a:srgbClr val="000000"/>
+            </a:solidFill>
+            <a:miter lim="800000"/>
+            <a:headEnd/>
+            <a:tailEnd/>
+          </a:ln>
+        </p:spPr>
+        <p:txBody>
+          <a:bodyPr vert="horz" wrap="square" lIns="91440" tIns="45720" rIns="91440" bIns="45720" numCol="1" anchor="t" anchorCtr="0" compatLnSpc="1">
+            <a:prstTxWarp prst="textNoShape">
+              <a:avLst/>
+            </a:prstTxWarp>
+            <a:spAutoFit/>
+          </a:bodyPr>
+          <a:lstStyle/>
+          <a:p>
+            <a:pPr marL="0" marR="0" lvl="0" indent="0" algn="l" defTabSz="914400" rtl="0" eaLnBrk="0" fontAlgn="base" latinLnBrk="0" hangingPunct="0">
+              <a:lnSpc>
+                <a:spcPct val="100000"/>
+              </a:lnSpc>
+              <a:spcBef>
+                <a:spcPct val="0"/>
+              </a:spcBef>
+              <a:spcAft>
+                <a:spcPct val="0"/>
+              </a:spcAft>
+              <a:buClrTx/>
+              <a:buSzTx/>
+              <a:buFontTx/>
+              <a:buNone/>
+              <a:tabLst/>
+            </a:pPr>
+            <a:r>
+              <a:rPr kumimoji="0" lang="en-GB" altLang="en-US" sz="1400" b="0" i="0" u="none" strike="noStrike" cap="none" normalizeH="0" baseline="0" dirty="0" smtClean="0">
+                <a:ln>
+                  <a:noFill/>
+                </a:ln>
+                <a:solidFill>
+                  <a:schemeClr val="tx1"/>
+                </a:solidFill>
+                <a:effectLst/>
+                <a:latin typeface="Calibri" panose="020F0502020204030204" pitchFamily="34" charset="0"/>
+                <a:ea typeface="Calibri" panose="020F0502020204030204" pitchFamily="34" charset="0"/>
+                <a:cs typeface="Times New Roman" panose="02020603050405020304" pitchFamily="18" charset="0"/>
+              </a:rPr>
+              <a:t>Missing countries of the world </a:t>
+            </a:r>
+            <a:endParaRPr kumimoji="0" lang="en-GB" altLang="en-US" sz="2400" b="0" i="0" u="none" strike="noStrike" cap="none" normalizeH="0" baseline="0" dirty="0" smtClean="0">
+              <a:ln>
+                <a:noFill/>
+              </a:ln>
+              <a:solidFill>
+                <a:schemeClr val="tx1"/>
+              </a:solidFill>
+              <a:effectLst/>
+              <a:latin typeface="Arial" panose="020B0604020202020204" pitchFamily="34" charset="0"/>
+            </a:endParaRPr>
+          </a:p>
+        </p:txBody>
+      </p:sp>
+      <p:pic>
+        <p:nvPicPr>
+          <p:cNvPr id="2059" name="Picture 4" descr="Image result for world globe puzzle"/>
+          <p:cNvPicPr>
+            <a:picLocks noChangeAspect="1" noChangeArrowheads="1"/>
+          </p:cNvPicPr>
+          <p:nvPr/>
+        </p:nvPicPr>
+        <p:blipFill>
+          <a:blip r:embed="rId5">
+            <a:extLst>
+              <a:ext uri="{28A0092B-C50C-407E-A947-70E740481C1C}">
+                <a14:useLocalDpi xmlns:a14="http://schemas.microsoft.com/office/drawing/2010/main" val="0"/>
+              </a:ext>
+            </a:extLst>
+          </a:blip>
+          <a:srcRect l="15344" t="6284" r="10188" b="7068"/>
+          <a:stretch>
+            <a:fillRect/>
+          </a:stretch>
+        </p:blipFill>
+        <p:spPr bwMode="auto">
+          <a:xfrm>
+            <a:off x="4986961" y="1290949"/>
+            <a:ext cx="1300162" cy="1509713"/>
+          </a:xfrm>
+          <a:prstGeom prst="rect">
+            <a:avLst/>
+          </a:prstGeom>
+          <a:noFill/>
+          <a:extLst>
+            <a:ext uri="{909E8E84-426E-40DD-AFC4-6F175D3DCCD1}">
+              <a14:hiddenFill xmlns:a14="http://schemas.microsoft.com/office/drawing/2010/main">
+                <a:solidFill>
+                  <a:srgbClr val="FFFFFF"/>
+                </a:solidFill>
+              </a14:hiddenFill>
+            </a:ext>
+          </a:extLst>
+        </p:spPr>
+      </p:pic>
+      <p:sp>
+        <p:nvSpPr>
+          <p:cNvPr id="5" name="Text Box 10"/>
+          <p:cNvSpPr txBox="1">
+            <a:spLocks noChangeArrowheads="1"/>
+          </p:cNvSpPr>
+          <p:nvPr/>
+        </p:nvSpPr>
+        <p:spPr bwMode="auto">
+          <a:xfrm>
+            <a:off x="315912" y="2822575"/>
+            <a:ext cx="2235200" cy="523220"/>
+          </a:xfrm>
+          <a:prstGeom prst="rect">
+            <a:avLst/>
+          </a:prstGeom>
+          <a:solidFill>
+            <a:srgbClr val="FFFFFF"/>
+          </a:solidFill>
+          <a:ln w="9525">
+            <a:solidFill>
+              <a:srgbClr val="000000"/>
+            </a:solidFill>
+            <a:miter lim="800000"/>
+            <a:headEnd/>
+            <a:tailEnd/>
+          </a:ln>
+        </p:spPr>
+        <p:txBody>
+          <a:bodyPr vert="horz" wrap="square" lIns="91440" tIns="45720" rIns="91440" bIns="45720" numCol="1" anchor="t" anchorCtr="0" compatLnSpc="1">
+            <a:prstTxWarp prst="textNoShape">
+              <a:avLst/>
+            </a:prstTxWarp>
+            <a:spAutoFit/>
+          </a:bodyPr>
+          <a:lstStyle/>
+          <a:p>
+            <a:pPr marL="0" marR="0" lvl="0" indent="0" algn="l" defTabSz="914400" rtl="0" eaLnBrk="0" fontAlgn="base" latinLnBrk="0" hangingPunct="0">
+              <a:lnSpc>
+                <a:spcPct val="100000"/>
+              </a:lnSpc>
+              <a:spcBef>
+                <a:spcPct val="0"/>
+              </a:spcBef>
+              <a:spcAft>
+                <a:spcPct val="0"/>
+              </a:spcAft>
+              <a:buClrTx/>
+              <a:buSzTx/>
+              <a:buFontTx/>
+              <a:buNone/>
+              <a:tabLst/>
+            </a:pPr>
+            <a:r>
+              <a:rPr kumimoji="0" lang="en-GB" altLang="en-US" sz="1400" i="0" u="none" strike="noStrike" cap="none" normalizeH="0" baseline="0" dirty="0" smtClean="0">
+                <a:ln>
+                  <a:noFill/>
+                </a:ln>
+                <a:solidFill>
+                  <a:schemeClr val="tx1"/>
+                </a:solidFill>
+                <a:effectLst/>
+                <a:latin typeface="Calibri" panose="020F0502020204030204" pitchFamily="34" charset="0"/>
+                <a:ea typeface="Calibri" panose="020F0502020204030204" pitchFamily="34" charset="0"/>
+                <a:cs typeface="Times New Roman" panose="02020603050405020304" pitchFamily="18" charset="0"/>
+              </a:rPr>
+              <a:t>The burnt slow destruction of time and history</a:t>
+            </a:r>
+            <a:endParaRPr kumimoji="0" lang="en-GB" altLang="en-US" sz="2400" i="0" u="none" strike="noStrike" cap="none" normalizeH="0" baseline="0" dirty="0" smtClean="0">
+              <a:ln>
+                <a:noFill/>
+              </a:ln>
+              <a:solidFill>
+                <a:schemeClr val="tx1"/>
+              </a:solidFill>
+              <a:effectLst/>
+              <a:latin typeface="Arial" panose="020B0604020202020204" pitchFamily="34" charset="0"/>
+            </a:endParaRPr>
+          </a:p>
+        </p:txBody>
+      </p:sp>
+      <p:pic>
+        <p:nvPicPr>
+          <p:cNvPr id="2057" name="Picture 1" descr="grunge and broken clock dial isolated on white Stock Photo - 11961908"/>
+          <p:cNvPicPr>
+            <a:picLocks noChangeAspect="1" noChangeArrowheads="1"/>
+          </p:cNvPicPr>
+          <p:nvPr/>
+        </p:nvPicPr>
+        <p:blipFill>
+          <a:blip r:embed="rId6">
+            <a:extLst>
+              <a:ext uri="{28A0092B-C50C-407E-A947-70E740481C1C}">
+                <a14:useLocalDpi xmlns:a14="http://schemas.microsoft.com/office/drawing/2010/main" val="0"/>
+              </a:ext>
+            </a:extLst>
+          </a:blip>
+          <a:srcRect l="9637" t="12477" r="12929" b="10451"/>
+          <a:stretch>
+            <a:fillRect/>
+          </a:stretch>
+        </p:blipFill>
+        <p:spPr bwMode="auto">
+          <a:xfrm>
+            <a:off x="636419" y="1355955"/>
+            <a:ext cx="1363663" cy="1362075"/>
+          </a:xfrm>
+          <a:prstGeom prst="rect">
+            <a:avLst/>
+          </a:prstGeom>
+          <a:noFill/>
+          <a:extLst>
+            <a:ext uri="{909E8E84-426E-40DD-AFC4-6F175D3DCCD1}">
+              <a14:hiddenFill xmlns:a14="http://schemas.microsoft.com/office/drawing/2010/main">
+                <a:solidFill>
+                  <a:srgbClr val="FFFFFF"/>
+                </a:solidFill>
+              </a14:hiddenFill>
+            </a:ext>
+          </a:extLst>
+        </p:spPr>
+      </p:pic>
+      <p:sp>
+        <p:nvSpPr>
+          <p:cNvPr id="6" name="Text Box 7"/>
+          <p:cNvSpPr txBox="1">
+            <a:spLocks noChangeArrowheads="1"/>
+          </p:cNvSpPr>
+          <p:nvPr/>
+        </p:nvSpPr>
+        <p:spPr bwMode="auto">
+          <a:xfrm>
+            <a:off x="7637462" y="3022600"/>
+            <a:ext cx="1336675" cy="307777"/>
+          </a:xfrm>
+          <a:prstGeom prst="rect">
+            <a:avLst/>
+          </a:prstGeom>
+          <a:solidFill>
+            <a:srgbClr val="FFFFFF"/>
+          </a:solidFill>
+          <a:ln w="9525">
+            <a:solidFill>
+              <a:srgbClr val="000000"/>
+            </a:solidFill>
+            <a:miter lim="800000"/>
+            <a:headEnd/>
+            <a:tailEnd/>
+          </a:ln>
+        </p:spPr>
+        <p:txBody>
+          <a:bodyPr vert="horz" wrap="square" lIns="91440" tIns="45720" rIns="91440" bIns="45720" numCol="1" anchor="t" anchorCtr="0" compatLnSpc="1">
+            <a:prstTxWarp prst="textNoShape">
+              <a:avLst/>
+            </a:prstTxWarp>
+            <a:spAutoFit/>
+          </a:bodyPr>
+          <a:lstStyle/>
+          <a:p>
+            <a:pPr marL="0" marR="0" lvl="0" indent="0" algn="l" defTabSz="914400" rtl="0" eaLnBrk="0" fontAlgn="base" latinLnBrk="0" hangingPunct="0">
+              <a:lnSpc>
+                <a:spcPct val="100000"/>
+              </a:lnSpc>
+              <a:spcBef>
+                <a:spcPct val="0"/>
+              </a:spcBef>
+              <a:spcAft>
+                <a:spcPct val="0"/>
+              </a:spcAft>
+              <a:buClrTx/>
+              <a:buSzTx/>
+              <a:buFontTx/>
+              <a:buNone/>
+              <a:tabLst/>
+            </a:pPr>
+            <a:r>
+              <a:rPr kumimoji="0" lang="en-GB" altLang="en-US" sz="1400" b="0" i="0" u="none" strike="noStrike" cap="none" normalizeH="0" baseline="0" dirty="0" smtClean="0">
+                <a:ln>
+                  <a:noFill/>
+                </a:ln>
+                <a:solidFill>
+                  <a:schemeClr val="tx1"/>
+                </a:solidFill>
+                <a:effectLst/>
+                <a:latin typeface="Calibri" panose="020F0502020204030204" pitchFamily="34" charset="0"/>
+                <a:ea typeface="Calibri" panose="020F0502020204030204" pitchFamily="34" charset="0"/>
+                <a:cs typeface="Times New Roman" panose="02020603050405020304" pitchFamily="18" charset="0"/>
+              </a:rPr>
+              <a:t>Incorrect order  </a:t>
+            </a:r>
+            <a:endParaRPr kumimoji="0" lang="en-GB" altLang="en-US" sz="2400" b="0" i="0" u="none" strike="noStrike" cap="none" normalizeH="0" baseline="0" dirty="0" smtClean="0">
+              <a:ln>
+                <a:noFill/>
+              </a:ln>
+              <a:solidFill>
+                <a:schemeClr val="tx1"/>
+              </a:solidFill>
+              <a:effectLst/>
+              <a:latin typeface="Arial" panose="020B0604020202020204" pitchFamily="34" charset="0"/>
+            </a:endParaRPr>
+          </a:p>
+        </p:txBody>
+      </p:sp>
+      <p:sp>
+        <p:nvSpPr>
+          <p:cNvPr id="7" name="Text Box 2"/>
+          <p:cNvSpPr txBox="1">
+            <a:spLocks noChangeArrowheads="1"/>
+          </p:cNvSpPr>
+          <p:nvPr/>
+        </p:nvSpPr>
+        <p:spPr bwMode="auto">
+          <a:xfrm>
+            <a:off x="479424" y="5806278"/>
+            <a:ext cx="2071688" cy="570459"/>
+          </a:xfrm>
+          <a:prstGeom prst="rect">
+            <a:avLst/>
+          </a:prstGeom>
+          <a:solidFill>
+            <a:srgbClr val="FFFFFF"/>
+          </a:solidFill>
+          <a:ln w="9525">
+            <a:solidFill>
+              <a:srgbClr val="000000"/>
+            </a:solidFill>
+            <a:miter lim="800000"/>
+            <a:headEnd/>
+            <a:tailEnd/>
+          </a:ln>
+        </p:spPr>
+        <p:txBody>
+          <a:bodyPr vert="horz" wrap="square" lIns="91440" tIns="45720" rIns="91440" bIns="45720" numCol="1" anchor="t" anchorCtr="0" compatLnSpc="1">
+            <a:prstTxWarp prst="textNoShape">
+              <a:avLst/>
+            </a:prstTxWarp>
+          </a:bodyPr>
+          <a:lstStyle/>
+          <a:p>
+            <a:pPr marL="0" marR="0" lvl="0" indent="0" algn="l" defTabSz="914400" rtl="0" eaLnBrk="0" fontAlgn="base" latinLnBrk="0" hangingPunct="0">
+              <a:lnSpc>
+                <a:spcPct val="100000"/>
+              </a:lnSpc>
+              <a:spcBef>
+                <a:spcPct val="0"/>
+              </a:spcBef>
+              <a:spcAft>
+                <a:spcPct val="0"/>
+              </a:spcAft>
+              <a:buClrTx/>
+              <a:buSzTx/>
+              <a:buFontTx/>
+              <a:buNone/>
+              <a:tabLst/>
+            </a:pPr>
+            <a:r>
+              <a:rPr kumimoji="0" lang="en-GB" altLang="en-US" sz="1400" b="0" i="0" u="none" strike="noStrike" cap="none" normalizeH="0" baseline="0" dirty="0" smtClean="0">
+                <a:ln>
+                  <a:noFill/>
+                </a:ln>
+                <a:solidFill>
+                  <a:schemeClr val="tx1"/>
+                </a:solidFill>
+                <a:effectLst/>
+                <a:latin typeface="Calibri" panose="020F0502020204030204" pitchFamily="34" charset="0"/>
+                <a:ea typeface="Calibri" panose="020F0502020204030204" pitchFamily="34" charset="0"/>
+                <a:cs typeface="Times New Roman" panose="02020603050405020304" pitchFamily="18" charset="0"/>
+              </a:rPr>
+              <a:t>Missing segment (eaten by worm)</a:t>
+            </a:r>
+            <a:endParaRPr kumimoji="0" lang="en-GB" altLang="en-US" sz="2400" b="0" i="0" u="none" strike="noStrike" cap="none" normalizeH="0" baseline="0" dirty="0" smtClean="0">
+              <a:ln>
+                <a:noFill/>
+              </a:ln>
+              <a:solidFill>
+                <a:schemeClr val="tx1"/>
+              </a:solidFill>
+              <a:effectLst/>
+              <a:latin typeface="Arial" panose="020B0604020202020204" pitchFamily="34" charset="0"/>
+            </a:endParaRPr>
+          </a:p>
+        </p:txBody>
+      </p:sp>
+      <p:pic>
+        <p:nvPicPr>
+          <p:cNvPr id="2054" name="Picture 18" descr="Image result for second hand bookshop"/>
+          <p:cNvPicPr>
+            <a:picLocks noChangeAspect="1" noChangeArrowheads="1"/>
+          </p:cNvPicPr>
+          <p:nvPr/>
+        </p:nvPicPr>
+        <p:blipFill>
+          <a:blip r:embed="rId7">
+            <a:extLst>
+              <a:ext uri="{28A0092B-C50C-407E-A947-70E740481C1C}">
+                <a14:useLocalDpi xmlns:a14="http://schemas.microsoft.com/office/drawing/2010/main" val="0"/>
+              </a:ext>
+            </a:extLst>
+          </a:blip>
+          <a:srcRect/>
+          <a:stretch>
+            <a:fillRect/>
+          </a:stretch>
+        </p:blipFill>
+        <p:spPr bwMode="auto">
+          <a:xfrm>
+            <a:off x="6906244" y="3800163"/>
+            <a:ext cx="2559050" cy="1595437"/>
+          </a:xfrm>
+          <a:prstGeom prst="rect">
+            <a:avLst/>
+          </a:prstGeom>
+          <a:noFill/>
+          <a:extLst>
+            <a:ext uri="{909E8E84-426E-40DD-AFC4-6F175D3DCCD1}">
+              <a14:hiddenFill xmlns:a14="http://schemas.microsoft.com/office/drawing/2010/main">
+                <a:solidFill>
+                  <a:srgbClr val="FFFFFF"/>
+                </a:solidFill>
+              </a14:hiddenFill>
+            </a:ext>
+          </a:extLst>
+        </p:spPr>
+      </p:pic>
+      <p:sp>
+        <p:nvSpPr>
+          <p:cNvPr id="8" name="Text Box 5"/>
+          <p:cNvSpPr txBox="1">
+            <a:spLocks noChangeArrowheads="1"/>
+          </p:cNvSpPr>
+          <p:nvPr/>
+        </p:nvSpPr>
+        <p:spPr bwMode="auto">
+          <a:xfrm>
+            <a:off x="6906245" y="5796130"/>
+            <a:ext cx="2367758" cy="493713"/>
+          </a:xfrm>
+          <a:prstGeom prst="rect">
+            <a:avLst/>
+          </a:prstGeom>
+          <a:solidFill>
+            <a:srgbClr val="FFFFFF"/>
+          </a:solidFill>
+          <a:ln w="9525">
+            <a:solidFill>
+              <a:srgbClr val="000000"/>
+            </a:solidFill>
+            <a:miter lim="800000"/>
+            <a:headEnd/>
+            <a:tailEnd/>
+          </a:ln>
+        </p:spPr>
+        <p:txBody>
+          <a:bodyPr vert="horz" wrap="square" lIns="91440" tIns="45720" rIns="91440" bIns="45720" numCol="1" anchor="t" anchorCtr="0" compatLnSpc="1">
+            <a:prstTxWarp prst="textNoShape">
+              <a:avLst/>
+            </a:prstTxWarp>
+          </a:bodyPr>
+          <a:lstStyle/>
+          <a:p>
+            <a:pPr marL="0" marR="0" lvl="0" indent="0" algn="l" defTabSz="914400" rtl="0" eaLnBrk="0" fontAlgn="base" latinLnBrk="0" hangingPunct="0">
+              <a:lnSpc>
+                <a:spcPct val="100000"/>
+              </a:lnSpc>
+              <a:spcBef>
+                <a:spcPct val="0"/>
+              </a:spcBef>
+              <a:spcAft>
+                <a:spcPct val="0"/>
+              </a:spcAft>
+              <a:buClrTx/>
+              <a:buSzTx/>
+              <a:buFontTx/>
+              <a:buNone/>
+              <a:tabLst/>
+            </a:pPr>
+            <a:r>
+              <a:rPr kumimoji="0" lang="en-GB" altLang="en-US" sz="1400" b="0" i="0" u="none" strike="noStrike" cap="none" normalizeH="0" baseline="0" dirty="0" smtClean="0">
+                <a:ln>
+                  <a:noFill/>
+                </a:ln>
+                <a:solidFill>
+                  <a:schemeClr val="tx1"/>
+                </a:solidFill>
+                <a:effectLst/>
+                <a:latin typeface="Calibri" panose="020F0502020204030204" pitchFamily="34" charset="0"/>
+                <a:ea typeface="Calibri" panose="020F0502020204030204" pitchFamily="34" charset="0"/>
+                <a:cs typeface="Times New Roman" panose="02020603050405020304" pitchFamily="18" charset="0"/>
+              </a:rPr>
+              <a:t>Unorganized chaos (no order)</a:t>
+            </a:r>
+            <a:endParaRPr kumimoji="0" lang="en-GB" altLang="en-US" sz="2400" b="0" i="0" u="none" strike="noStrike" cap="none" normalizeH="0" baseline="0" dirty="0" smtClean="0">
+              <a:ln>
+                <a:noFill/>
+              </a:ln>
+              <a:solidFill>
+                <a:schemeClr val="tx1"/>
+              </a:solidFill>
+              <a:effectLst/>
+              <a:latin typeface="Arial" panose="020B0604020202020204" pitchFamily="34" charset="0"/>
+            </a:endParaRPr>
+          </a:p>
+        </p:txBody>
+      </p:sp>
+      <p:pic>
+        <p:nvPicPr>
+          <p:cNvPr id="2052" name="Picture 22" descr="Screen Shot 2015-02-06 at 17.55.07"/>
+          <p:cNvPicPr>
+            <a:picLocks noChangeAspect="1" noChangeArrowheads="1"/>
+          </p:cNvPicPr>
+          <p:nvPr/>
+        </p:nvPicPr>
+        <p:blipFill>
+          <a:blip r:embed="rId8">
+            <a:extLst>
+              <a:ext uri="{28A0092B-C50C-407E-A947-70E740481C1C}">
+                <a14:useLocalDpi xmlns:a14="http://schemas.microsoft.com/office/drawing/2010/main" val="0"/>
+              </a:ext>
+            </a:extLst>
+          </a:blip>
+          <a:srcRect t="5295" b="6142"/>
+          <a:stretch>
+            <a:fillRect/>
+          </a:stretch>
+        </p:blipFill>
+        <p:spPr bwMode="auto">
+          <a:xfrm>
+            <a:off x="3609975" y="3808412"/>
+            <a:ext cx="2844800" cy="1587500"/>
+          </a:xfrm>
+          <a:prstGeom prst="rect">
+            <a:avLst/>
+          </a:prstGeom>
+          <a:noFill/>
+          <a:extLst>
+            <a:ext uri="{909E8E84-426E-40DD-AFC4-6F175D3DCCD1}">
+              <a14:hiddenFill xmlns:a14="http://schemas.microsoft.com/office/drawing/2010/main">
+                <a:solidFill>
+                  <a:srgbClr val="FFFFFF"/>
+                </a:solidFill>
+              </a14:hiddenFill>
+            </a:ext>
+          </a:extLst>
+        </p:spPr>
+      </p:pic>
+      <p:sp>
+        <p:nvSpPr>
+          <p:cNvPr id="9" name="Text Box 1"/>
+          <p:cNvSpPr txBox="1">
+            <a:spLocks noChangeArrowheads="1"/>
+          </p:cNvSpPr>
+          <p:nvPr/>
+        </p:nvSpPr>
+        <p:spPr bwMode="auto">
+          <a:xfrm>
+            <a:off x="3759825" y="5806278"/>
+            <a:ext cx="2527297" cy="764550"/>
+          </a:xfrm>
+          <a:prstGeom prst="rect">
+            <a:avLst/>
+          </a:prstGeom>
+          <a:solidFill>
+            <a:srgbClr val="FFFFFF"/>
+          </a:solidFill>
+          <a:ln w="9525">
+            <a:solidFill>
+              <a:srgbClr val="000000"/>
+            </a:solidFill>
+            <a:miter lim="800000"/>
+            <a:headEnd/>
+            <a:tailEnd/>
+          </a:ln>
+        </p:spPr>
+        <p:txBody>
+          <a:bodyPr vert="horz" wrap="square" lIns="91440" tIns="45720" rIns="91440" bIns="45720" numCol="1" anchor="t" anchorCtr="0" compatLnSpc="1">
+            <a:prstTxWarp prst="textNoShape">
+              <a:avLst/>
+            </a:prstTxWarp>
+          </a:bodyPr>
+          <a:lstStyle/>
+          <a:p>
+            <a:pPr marL="0" marR="0" lvl="0" indent="0" algn="l" defTabSz="914400" rtl="0" eaLnBrk="0" fontAlgn="base" latinLnBrk="0" hangingPunct="0">
+              <a:lnSpc>
+                <a:spcPct val="100000"/>
+              </a:lnSpc>
+              <a:spcBef>
+                <a:spcPct val="0"/>
+              </a:spcBef>
+              <a:spcAft>
+                <a:spcPct val="0"/>
+              </a:spcAft>
+              <a:buClrTx/>
+              <a:buSzTx/>
+              <a:buFontTx/>
+              <a:buNone/>
+              <a:tabLst/>
+            </a:pPr>
+            <a:r>
+              <a:rPr kumimoji="0" lang="en-GB" altLang="en-US" sz="1400" b="0" i="0" u="none" strike="noStrike" cap="none" normalizeH="0" baseline="0" dirty="0" smtClean="0">
+                <a:ln>
+                  <a:noFill/>
+                </a:ln>
+                <a:solidFill>
+                  <a:schemeClr val="tx1"/>
+                </a:solidFill>
+                <a:effectLst/>
+                <a:latin typeface="Calibri" panose="020F0502020204030204" pitchFamily="34" charset="0"/>
+                <a:ea typeface="Calibri" panose="020F0502020204030204" pitchFamily="34" charset="0"/>
+                <a:cs typeface="Times New Roman" panose="02020603050405020304" pitchFamily="18" charset="0"/>
+              </a:rPr>
+              <a:t>Realisation you’re no longer on earth (Zathura Movie Scene)</a:t>
+            </a:r>
+            <a:endParaRPr kumimoji="0" lang="en-GB" altLang="en-US" sz="2400" b="0" i="0" u="none" strike="noStrike" cap="none" normalizeH="0" baseline="0" dirty="0" smtClean="0">
+              <a:ln>
+                <a:noFill/>
+              </a:ln>
+              <a:solidFill>
+                <a:schemeClr val="tx1"/>
+              </a:solidFill>
+              <a:effectLst/>
+              <a:latin typeface="Arial" panose="020B0604020202020204" pitchFamily="34" charset="0"/>
+            </a:endParaRPr>
+          </a:p>
+        </p:txBody>
+      </p:sp>
+      <p:sp>
+        <p:nvSpPr>
+          <p:cNvPr id="10" name="Rectangle 14"/>
+          <p:cNvSpPr>
+            <a:spLocks noChangeArrowheads="1"/>
+          </p:cNvSpPr>
+          <p:nvPr/>
+        </p:nvSpPr>
+        <p:spPr bwMode="auto">
+          <a:xfrm>
+            <a:off x="2209800" y="381000"/>
+            <a:ext cx="12192000" cy="457200"/>
+          </a:xfrm>
+          <a:prstGeom prst="rect">
+            <a:avLst/>
+          </a:prstGeom>
+          <a:noFill/>
+          <a:ln>
+            <a:noFill/>
+          </a:ln>
+          <a:effectLst/>
+          <a:extLst>
+            <a:ext uri="{909E8E84-426E-40DD-AFC4-6F175D3DCCD1}">
+              <a14:hiddenFill xmlns:a14="http://schemas.microsoft.com/office/drawing/2010/main">
+                <a:solidFill>
+                  <a:schemeClr val="accent1"/>
+                </a:solidFill>
+              </a14:hiddenFill>
+            </a:ext>
+            <a:ext uri="{91240B29-F687-4F45-9708-019B960494DF}">
+              <a14:hiddenLine xmlns:a14="http://schemas.microsoft.com/office/drawing/2010/main" w="9525">
+                <a:solidFill>
+                  <a:schemeClr val="tx1"/>
+                </a:solidFill>
+                <a:miter lim="800000"/>
+                <a:headEnd/>
+                <a:tailEnd/>
+              </a14:hiddenLine>
+            </a:ext>
+            <a:ext uri="{AF507438-7753-43E0-B8FC-AC1667EBCBE1}">
+              <a14:hiddenEffects xmlns:a14="http://schemas.microsoft.com/office/drawing/2010/main">
+                <a:effectLst>
+                  <a:outerShdw dist="35921" dir="2700000" algn="ctr" rotWithShape="0">
+                    <a:schemeClr val="bg2"/>
+                  </a:outerShdw>
+                </a:effectLst>
+              </a14:hiddenEffects>
+            </a:ext>
+          </a:extLst>
+        </p:spPr>
+        <p:txBody>
+          <a:bodyPr vert="horz" wrap="none" lIns="91440" tIns="45720" rIns="91440" bIns="45720" numCol="1" anchor="ctr" anchorCtr="0" compatLnSpc="1">
+            <a:prstTxWarp prst="textNoShape">
+              <a:avLst/>
+            </a:prstTxWarp>
+            <a:spAutoFit/>
+          </a:bodyPr>
           <a:lstStyle/>
           <a:p>
             <a:endParaRPr lang="en-GB"/>
+          </a:p>
+        </p:txBody>
+      </p:sp>
+      <p:sp>
+        <p:nvSpPr>
+          <p:cNvPr id="11" name="Rectangle 15"/>
+          <p:cNvSpPr>
+            <a:spLocks noChangeArrowheads="1"/>
+          </p:cNvSpPr>
+          <p:nvPr/>
+        </p:nvSpPr>
+        <p:spPr bwMode="auto">
+          <a:xfrm>
+            <a:off x="2209800" y="838200"/>
+            <a:ext cx="12192000" cy="457200"/>
+          </a:xfrm>
+          <a:prstGeom prst="rect">
+            <a:avLst/>
+          </a:prstGeom>
+          <a:noFill/>
+          <a:ln>
+            <a:noFill/>
+          </a:ln>
+          <a:effectLst/>
+          <a:extLst>
+            <a:ext uri="{909E8E84-426E-40DD-AFC4-6F175D3DCCD1}">
+              <a14:hiddenFill xmlns:a14="http://schemas.microsoft.com/office/drawing/2010/main">
+                <a:solidFill>
+                  <a:schemeClr val="accent1"/>
+                </a:solidFill>
+              </a14:hiddenFill>
+            </a:ext>
+            <a:ext uri="{91240B29-F687-4F45-9708-019B960494DF}">
+              <a14:hiddenLine xmlns:a14="http://schemas.microsoft.com/office/drawing/2010/main" w="9525">
+                <a:solidFill>
+                  <a:schemeClr val="tx1"/>
+                </a:solidFill>
+                <a:miter lim="800000"/>
+                <a:headEnd/>
+                <a:tailEnd/>
+              </a14:hiddenLine>
+            </a:ext>
+            <a:ext uri="{AF507438-7753-43E0-B8FC-AC1667EBCBE1}">
+              <a14:hiddenEffects xmlns:a14="http://schemas.microsoft.com/office/drawing/2010/main">
+                <a:effectLst>
+                  <a:outerShdw dist="35921" dir="2700000" algn="ctr" rotWithShape="0">
+                    <a:schemeClr val="bg2"/>
+                  </a:outerShdw>
+                </a:effectLst>
+              </a14:hiddenEffects>
+            </a:ext>
+          </a:extLst>
+        </p:spPr>
+        <p:txBody>
+          <a:bodyPr vert="horz" wrap="none" lIns="91440" tIns="45720" rIns="91440" bIns="45720" numCol="1" anchor="ctr" anchorCtr="0" compatLnSpc="1">
+            <a:prstTxWarp prst="textNoShape">
+              <a:avLst/>
+            </a:prstTxWarp>
+            <a:spAutoFit/>
+          </a:bodyPr>
+          <a:lstStyle/>
+          <a:p>
+            <a:endParaRPr lang="en-GB"/>
+          </a:p>
+        </p:txBody>
+      </p:sp>
+      <p:sp>
+        <p:nvSpPr>
+          <p:cNvPr id="12" name="Rectangle 16"/>
+          <p:cNvSpPr>
+            <a:spLocks noChangeArrowheads="1"/>
+          </p:cNvSpPr>
+          <p:nvPr/>
+        </p:nvSpPr>
+        <p:spPr bwMode="auto">
+          <a:xfrm>
+            <a:off x="2209800" y="1295400"/>
+            <a:ext cx="12192000" cy="0"/>
+          </a:xfrm>
+          <a:prstGeom prst="rect">
+            <a:avLst/>
+          </a:prstGeom>
+          <a:noFill/>
+          <a:ln>
+            <a:noFill/>
+          </a:ln>
+          <a:effectLst/>
+          <a:extLst>
+            <a:ext uri="{909E8E84-426E-40DD-AFC4-6F175D3DCCD1}">
+              <a14:hiddenFill xmlns:a14="http://schemas.microsoft.com/office/drawing/2010/main">
+                <a:solidFill>
+                  <a:schemeClr val="accent1"/>
+                </a:solidFill>
+              </a14:hiddenFill>
+            </a:ext>
+            <a:ext uri="{91240B29-F687-4F45-9708-019B960494DF}">
+              <a14:hiddenLine xmlns:a14="http://schemas.microsoft.com/office/drawing/2010/main" w="9525">
+                <a:solidFill>
+                  <a:schemeClr val="tx1"/>
+                </a:solidFill>
+                <a:miter lim="800000"/>
+                <a:headEnd/>
+                <a:tailEnd/>
+              </a14:hiddenLine>
+            </a:ext>
+            <a:ext uri="{AF507438-7753-43E0-B8FC-AC1667EBCBE1}">
+              <a14:hiddenEffects xmlns:a14="http://schemas.microsoft.com/office/drawing/2010/main">
+                <a:effectLst>
+                  <a:outerShdw dist="35921" dir="2700000" algn="ctr" rotWithShape="0">
+                    <a:schemeClr val="bg2"/>
+                  </a:outerShdw>
+                </a:effectLst>
+              </a14:hiddenEffects>
+            </a:ext>
+          </a:extLst>
+        </p:spPr>
+        <p:txBody>
+          <a:bodyPr vert="horz" wrap="none" lIns="91440" tIns="45720" rIns="91440" bIns="45720" numCol="1" anchor="ctr" anchorCtr="0" compatLnSpc="1">
+            <a:prstTxWarp prst="textNoShape">
+              <a:avLst/>
+            </a:prstTxWarp>
+            <a:spAutoFit/>
+          </a:bodyPr>
+          <a:lstStyle/>
+          <a:p>
+            <a:pPr marL="0" marR="0" lvl="0" indent="0" algn="l" defTabSz="914400" rtl="0" eaLnBrk="0" fontAlgn="base" latinLnBrk="0" hangingPunct="0">
+              <a:lnSpc>
+                <a:spcPct val="100000"/>
+              </a:lnSpc>
+              <a:spcBef>
+                <a:spcPct val="0"/>
+              </a:spcBef>
+              <a:spcAft>
+                <a:spcPct val="0"/>
+              </a:spcAft>
+              <a:buClrTx/>
+              <a:buSzTx/>
+              <a:buFontTx/>
+              <a:buNone/>
+              <a:tabLst/>
+            </a:pPr>
+            <a:endParaRPr kumimoji="0" lang="en-GB" altLang="en-US" sz="800" b="0" i="0" u="none" strike="noStrike" cap="none" normalizeH="0" baseline="0" smtClean="0">
+              <a:ln>
+                <a:noFill/>
+              </a:ln>
+              <a:solidFill>
+                <a:schemeClr val="tx1"/>
+              </a:solidFill>
+              <a:effectLst/>
+            </a:endParaRPr>
+          </a:p>
+          <a:p>
+            <a:pPr marL="0" marR="0" lvl="0" indent="0" algn="l" defTabSz="914400" rtl="0" eaLnBrk="0" fontAlgn="base" latinLnBrk="0" hangingPunct="0">
+              <a:lnSpc>
+                <a:spcPct val="100000"/>
+              </a:lnSpc>
+              <a:spcBef>
+                <a:spcPct val="0"/>
+              </a:spcBef>
+              <a:spcAft>
+                <a:spcPct val="0"/>
+              </a:spcAft>
+              <a:buClrTx/>
+              <a:buSzTx/>
+              <a:buFontTx/>
+              <a:buNone/>
+              <a:tabLst/>
+            </a:pPr>
+            <a:r>
+              <a:rPr kumimoji="0" lang="en-GB" altLang="en-US" sz="1800" b="0" i="0" u="none" strike="noStrike" cap="none" normalizeH="0" baseline="0" smtClean="0">
+                <a:ln>
+                  <a:noFill/>
+                </a:ln>
+                <a:solidFill>
+                  <a:schemeClr val="tx1"/>
+                </a:solidFill>
+                <a:effectLst/>
+                <a:latin typeface="Arial" panose="020B0604020202020204" pitchFamily="34" charset="0"/>
+              </a:rPr>
+              <a:t/>
+            </a:r>
+            <a:br>
+              <a:rPr kumimoji="0" lang="en-GB" altLang="en-US" sz="1800" b="0" i="0" u="none" strike="noStrike" cap="none" normalizeH="0" baseline="0" smtClean="0">
+                <a:ln>
+                  <a:noFill/>
+                </a:ln>
+                <a:solidFill>
+                  <a:schemeClr val="tx1"/>
+                </a:solidFill>
+                <a:effectLst/>
+                <a:latin typeface="Arial" panose="020B0604020202020204" pitchFamily="34" charset="0"/>
+              </a:rPr>
+            </a:br>
+            <a:endParaRPr kumimoji="0" lang="en-GB" altLang="en-US" sz="1800" b="0" i="0" u="none" strike="noStrike" cap="none" normalizeH="0" baseline="0" smtClean="0">
+              <a:ln>
+                <a:noFill/>
+              </a:ln>
+              <a:solidFill>
+                <a:schemeClr val="tx1"/>
+              </a:solidFill>
+              <a:effectLst/>
+              <a:latin typeface="Arial" panose="020B0604020202020204" pitchFamily="34" charset="0"/>
+            </a:endParaRPr>
+          </a:p>
+          <a:p>
+            <a:pPr marL="0" marR="0" lvl="0" indent="0" algn="l" defTabSz="914400" rtl="0" eaLnBrk="0" fontAlgn="base" latinLnBrk="0" hangingPunct="0">
+              <a:lnSpc>
+                <a:spcPct val="100000"/>
+              </a:lnSpc>
+              <a:spcBef>
+                <a:spcPct val="0"/>
+              </a:spcBef>
+              <a:spcAft>
+                <a:spcPct val="0"/>
+              </a:spcAft>
+              <a:buClrTx/>
+              <a:buSzTx/>
+              <a:buFontTx/>
+              <a:buNone/>
+              <a:tabLst/>
+            </a:pPr>
+            <a:endParaRPr kumimoji="0" lang="en-GB" altLang="en-US" sz="1800" b="0" i="0" u="none" strike="noStrike" cap="none" normalizeH="0" baseline="0" smtClean="0">
+              <a:ln>
+                <a:noFill/>
+              </a:ln>
+              <a:solidFill>
+                <a:schemeClr val="tx1"/>
+              </a:solidFill>
+              <a:effectLst/>
+              <a:latin typeface="Arial" panose="020B0604020202020204" pitchFamily="34" charset="0"/>
+            </a:endParaRPr>
+          </a:p>
+        </p:txBody>
+      </p:sp>
+      <p:sp>
+        <p:nvSpPr>
+          <p:cNvPr id="13" name="Rectangle 17"/>
+          <p:cNvSpPr>
+            <a:spLocks noChangeArrowheads="1"/>
+          </p:cNvSpPr>
+          <p:nvPr/>
+        </p:nvSpPr>
+        <p:spPr bwMode="auto">
+          <a:xfrm>
+            <a:off x="2209800" y="1295400"/>
+            <a:ext cx="12192000" cy="0"/>
+          </a:xfrm>
+          <a:prstGeom prst="rect">
+            <a:avLst/>
+          </a:prstGeom>
+          <a:noFill/>
+          <a:ln>
+            <a:noFill/>
+          </a:ln>
+          <a:effectLst/>
+          <a:extLst>
+            <a:ext uri="{909E8E84-426E-40DD-AFC4-6F175D3DCCD1}">
+              <a14:hiddenFill xmlns:a14="http://schemas.microsoft.com/office/drawing/2010/main">
+                <a:solidFill>
+                  <a:schemeClr val="accent1"/>
+                </a:solidFill>
+              </a14:hiddenFill>
+            </a:ext>
+            <a:ext uri="{91240B29-F687-4F45-9708-019B960494DF}">
+              <a14:hiddenLine xmlns:a14="http://schemas.microsoft.com/office/drawing/2010/main" w="9525">
+                <a:solidFill>
+                  <a:schemeClr val="tx1"/>
+                </a:solidFill>
+                <a:miter lim="800000"/>
+                <a:headEnd/>
+                <a:tailEnd/>
+              </a14:hiddenLine>
+            </a:ext>
+            <a:ext uri="{AF507438-7753-43E0-B8FC-AC1667EBCBE1}">
+              <a14:hiddenEffects xmlns:a14="http://schemas.microsoft.com/office/drawing/2010/main">
+                <a:effectLst>
+                  <a:outerShdw dist="35921" dir="2700000" algn="ctr" rotWithShape="0">
+                    <a:schemeClr val="bg2"/>
+                  </a:outerShdw>
+                </a:effectLst>
+              </a14:hiddenEffects>
+            </a:ext>
+          </a:extLst>
+        </p:spPr>
+        <p:txBody>
+          <a:bodyPr vert="horz" wrap="none" lIns="91440" tIns="45720" rIns="91440" bIns="45720" numCol="1" anchor="ctr" anchorCtr="0" compatLnSpc="1">
+            <a:prstTxWarp prst="textNoShape">
+              <a:avLst/>
+            </a:prstTxWarp>
+            <a:spAutoFit/>
+          </a:bodyPr>
+          <a:lstStyle/>
+          <a:p>
+            <a:pPr marL="0" marR="0" lvl="0" indent="0" algn="l" defTabSz="914400" rtl="0" eaLnBrk="0" fontAlgn="base" latinLnBrk="0" hangingPunct="0">
+              <a:lnSpc>
+                <a:spcPct val="100000"/>
+              </a:lnSpc>
+              <a:spcBef>
+                <a:spcPct val="0"/>
+              </a:spcBef>
+              <a:spcAft>
+                <a:spcPct val="0"/>
+              </a:spcAft>
+              <a:buClrTx/>
+              <a:buSzTx/>
+              <a:buFontTx/>
+              <a:buNone/>
+              <a:tabLst/>
+            </a:pPr>
+            <a:endParaRPr kumimoji="0" lang="en-GB" altLang="en-US" sz="1800" b="0" i="0" u="none" strike="noStrike" cap="none" normalizeH="0" baseline="0" smtClean="0">
+              <a:ln>
+                <a:noFill/>
+              </a:ln>
+              <a:solidFill>
+                <a:schemeClr val="tx1"/>
+              </a:solidFill>
+              <a:effectLst/>
+              <a:latin typeface="Arial" panose="020B0604020202020204" pitchFamily="34" charset="0"/>
+            </a:endParaRPr>
+          </a:p>
+          <a:p>
+            <a:pPr marL="0" marR="0" lvl="0" indent="0" algn="l" defTabSz="914400" rtl="0" eaLnBrk="0" fontAlgn="base" latinLnBrk="0" hangingPunct="0">
+              <a:lnSpc>
+                <a:spcPct val="100000"/>
+              </a:lnSpc>
+              <a:spcBef>
+                <a:spcPct val="0"/>
+              </a:spcBef>
+              <a:spcAft>
+                <a:spcPct val="0"/>
+              </a:spcAft>
+              <a:buClrTx/>
+              <a:buSzTx/>
+              <a:buFontTx/>
+              <a:buNone/>
+              <a:tabLst/>
+            </a:pPr>
+            <a:endParaRPr kumimoji="0" lang="en-GB" altLang="en-US" sz="1800" b="0" i="0" u="none" strike="noStrike" cap="none" normalizeH="0" baseline="0" smtClean="0">
+              <a:ln>
+                <a:noFill/>
+              </a:ln>
+              <a:solidFill>
+                <a:schemeClr val="tx1"/>
+              </a:solidFill>
+              <a:effectLst/>
+              <a:latin typeface="Arial" panose="020B0604020202020204" pitchFamily="34" charset="0"/>
+            </a:endParaRPr>
+          </a:p>
+        </p:txBody>
+      </p:sp>
+      <p:sp>
+        <p:nvSpPr>
+          <p:cNvPr id="14" name="Rectangle 18"/>
+          <p:cNvSpPr>
+            <a:spLocks noChangeArrowheads="1"/>
+          </p:cNvSpPr>
+          <p:nvPr/>
+        </p:nvSpPr>
+        <p:spPr bwMode="auto">
+          <a:xfrm>
+            <a:off x="2209800" y="1295400"/>
+            <a:ext cx="12192000" cy="0"/>
+          </a:xfrm>
+          <a:prstGeom prst="rect">
+            <a:avLst/>
+          </a:prstGeom>
+          <a:noFill/>
+          <a:ln>
+            <a:noFill/>
+          </a:ln>
+          <a:effectLst/>
+          <a:extLst>
+            <a:ext uri="{909E8E84-426E-40DD-AFC4-6F175D3DCCD1}">
+              <a14:hiddenFill xmlns:a14="http://schemas.microsoft.com/office/drawing/2010/main">
+                <a:solidFill>
+                  <a:schemeClr val="accent1"/>
+                </a:solidFill>
+              </a14:hiddenFill>
+            </a:ext>
+            <a:ext uri="{91240B29-F687-4F45-9708-019B960494DF}">
+              <a14:hiddenLine xmlns:a14="http://schemas.microsoft.com/office/drawing/2010/main" w="9525">
+                <a:solidFill>
+                  <a:schemeClr val="tx1"/>
+                </a:solidFill>
+                <a:miter lim="800000"/>
+                <a:headEnd/>
+                <a:tailEnd/>
+              </a14:hiddenLine>
+            </a:ext>
+            <a:ext uri="{AF507438-7753-43E0-B8FC-AC1667EBCBE1}">
+              <a14:hiddenEffects xmlns:a14="http://schemas.microsoft.com/office/drawing/2010/main">
+                <a:effectLst>
+                  <a:outerShdw dist="35921" dir="2700000" algn="ctr" rotWithShape="0">
+                    <a:schemeClr val="bg2"/>
+                  </a:outerShdw>
+                </a:effectLst>
+              </a14:hiddenEffects>
+            </a:ext>
+          </a:extLst>
+        </p:spPr>
+        <p:txBody>
+          <a:bodyPr vert="horz" wrap="none" lIns="91440" tIns="45720" rIns="91440" bIns="45720" numCol="1" anchor="ctr" anchorCtr="0" compatLnSpc="1">
+            <a:prstTxWarp prst="textNoShape">
+              <a:avLst/>
+            </a:prstTxWarp>
+            <a:spAutoFit/>
+          </a:bodyPr>
+          <a:lstStyle/>
+          <a:p>
+            <a:pPr marL="0" marR="0" lvl="0" indent="0" algn="l" defTabSz="914400" rtl="0" eaLnBrk="0" fontAlgn="base" latinLnBrk="0" hangingPunct="0">
+              <a:lnSpc>
+                <a:spcPct val="100000"/>
+              </a:lnSpc>
+              <a:spcBef>
+                <a:spcPct val="0"/>
+              </a:spcBef>
+              <a:spcAft>
+                <a:spcPct val="0"/>
+              </a:spcAft>
+              <a:buClrTx/>
+              <a:buSzTx/>
+              <a:buFontTx/>
+              <a:buNone/>
+              <a:tabLst/>
+            </a:pPr>
+            <a:endParaRPr kumimoji="0" lang="en-GB" altLang="en-US" sz="800" b="0" i="0" u="none" strike="noStrike" cap="none" normalizeH="0" baseline="0" smtClean="0">
+              <a:ln>
+                <a:noFill/>
+              </a:ln>
+              <a:solidFill>
+                <a:schemeClr val="tx1"/>
+              </a:solidFill>
+              <a:effectLst/>
+            </a:endParaRPr>
+          </a:p>
+          <a:p>
+            <a:pPr marL="0" marR="0" lvl="0" indent="0" algn="l" defTabSz="914400" rtl="0" eaLnBrk="0" fontAlgn="base" latinLnBrk="0" hangingPunct="0">
+              <a:lnSpc>
+                <a:spcPct val="100000"/>
+              </a:lnSpc>
+              <a:spcBef>
+                <a:spcPct val="0"/>
+              </a:spcBef>
+              <a:spcAft>
+                <a:spcPct val="0"/>
+              </a:spcAft>
+              <a:buClrTx/>
+              <a:buSzTx/>
+              <a:buFontTx/>
+              <a:buNone/>
+              <a:tabLst/>
+            </a:pPr>
+            <a:r>
+              <a:rPr kumimoji="0" lang="en-GB" altLang="en-US" sz="1800" b="0" i="0" u="none" strike="noStrike" cap="none" normalizeH="0" baseline="0" smtClean="0">
+                <a:ln>
+                  <a:noFill/>
+                </a:ln>
+                <a:solidFill>
+                  <a:schemeClr val="tx1"/>
+                </a:solidFill>
+                <a:effectLst/>
+                <a:latin typeface="Arial" panose="020B0604020202020204" pitchFamily="34" charset="0"/>
+              </a:rPr>
+              <a:t/>
+            </a:r>
+            <a:br>
+              <a:rPr kumimoji="0" lang="en-GB" altLang="en-US" sz="1800" b="0" i="0" u="none" strike="noStrike" cap="none" normalizeH="0" baseline="0" smtClean="0">
+                <a:ln>
+                  <a:noFill/>
+                </a:ln>
+                <a:solidFill>
+                  <a:schemeClr val="tx1"/>
+                </a:solidFill>
+                <a:effectLst/>
+                <a:latin typeface="Arial" panose="020B0604020202020204" pitchFamily="34" charset="0"/>
+              </a:rPr>
+            </a:br>
+            <a:endParaRPr kumimoji="0" lang="en-GB" altLang="en-US" sz="1800" b="0" i="0" u="none" strike="noStrike" cap="none" normalizeH="0" baseline="0" smtClean="0">
+              <a:ln>
+                <a:noFill/>
+              </a:ln>
+              <a:solidFill>
+                <a:schemeClr val="tx1"/>
+              </a:solidFill>
+              <a:effectLst/>
+              <a:latin typeface="Arial" panose="020B0604020202020204" pitchFamily="34" charset="0"/>
+            </a:endParaRPr>
+          </a:p>
+          <a:p>
+            <a:pPr marL="0" marR="0" lvl="0" indent="0" algn="l" defTabSz="914400" rtl="0" eaLnBrk="0" fontAlgn="base" latinLnBrk="0" hangingPunct="0">
+              <a:lnSpc>
+                <a:spcPct val="100000"/>
+              </a:lnSpc>
+              <a:spcBef>
+                <a:spcPct val="0"/>
+              </a:spcBef>
+              <a:spcAft>
+                <a:spcPct val="0"/>
+              </a:spcAft>
+              <a:buClrTx/>
+              <a:buSzTx/>
+              <a:buFontTx/>
+              <a:buNone/>
+              <a:tabLst/>
+            </a:pPr>
+            <a:endParaRPr kumimoji="0" lang="en-GB" altLang="en-US" sz="1800" b="0" i="0" u="none" strike="noStrike" cap="none" normalizeH="0" baseline="0" smtClean="0">
+              <a:ln>
+                <a:noFill/>
+              </a:ln>
+              <a:solidFill>
+                <a:schemeClr val="tx1"/>
+              </a:solidFill>
+              <a:effectLst/>
+              <a:latin typeface="Arial" panose="020B0604020202020204" pitchFamily="34" charset="0"/>
+            </a:endParaRPr>
+          </a:p>
+        </p:txBody>
+      </p:sp>
+      <p:sp>
+        <p:nvSpPr>
+          <p:cNvPr id="15" name="Rectangle 19"/>
+          <p:cNvSpPr>
+            <a:spLocks noChangeArrowheads="1"/>
+          </p:cNvSpPr>
+          <p:nvPr/>
+        </p:nvSpPr>
+        <p:spPr bwMode="auto">
+          <a:xfrm>
+            <a:off x="2209800" y="1295400"/>
+            <a:ext cx="12192000" cy="0"/>
+          </a:xfrm>
+          <a:prstGeom prst="rect">
+            <a:avLst/>
+          </a:prstGeom>
+          <a:noFill/>
+          <a:ln>
+            <a:noFill/>
+          </a:ln>
+          <a:effectLst/>
+          <a:extLst>
+            <a:ext uri="{909E8E84-426E-40DD-AFC4-6F175D3DCCD1}">
+              <a14:hiddenFill xmlns:a14="http://schemas.microsoft.com/office/drawing/2010/main">
+                <a:solidFill>
+                  <a:schemeClr val="accent1"/>
+                </a:solidFill>
+              </a14:hiddenFill>
+            </a:ext>
+            <a:ext uri="{91240B29-F687-4F45-9708-019B960494DF}">
+              <a14:hiddenLine xmlns:a14="http://schemas.microsoft.com/office/drawing/2010/main" w="9525">
+                <a:solidFill>
+                  <a:schemeClr val="tx1"/>
+                </a:solidFill>
+                <a:miter lim="800000"/>
+                <a:headEnd/>
+                <a:tailEnd/>
+              </a14:hiddenLine>
+            </a:ext>
+            <a:ext uri="{AF507438-7753-43E0-B8FC-AC1667EBCBE1}">
+              <a14:hiddenEffects xmlns:a14="http://schemas.microsoft.com/office/drawing/2010/main">
+                <a:effectLst>
+                  <a:outerShdw dist="35921" dir="2700000" algn="ctr" rotWithShape="0">
+                    <a:schemeClr val="bg2"/>
+                  </a:outerShdw>
+                </a:effectLst>
+              </a14:hiddenEffects>
+            </a:ext>
+          </a:extLst>
+        </p:spPr>
+        <p:txBody>
+          <a:bodyPr vert="horz" wrap="none" lIns="91440" tIns="45720" rIns="91440" bIns="45720" numCol="1" anchor="ctr" anchorCtr="0" compatLnSpc="1">
+            <a:prstTxWarp prst="textNoShape">
+              <a:avLst/>
+            </a:prstTxWarp>
+            <a:spAutoFit/>
+          </a:bodyPr>
+          <a:lstStyle/>
+          <a:p>
+            <a:pPr marL="0" marR="0" lvl="0" indent="0" algn="l" defTabSz="914400" rtl="0" eaLnBrk="0" fontAlgn="base" latinLnBrk="0" hangingPunct="0">
+              <a:lnSpc>
+                <a:spcPct val="100000"/>
+              </a:lnSpc>
+              <a:spcBef>
+                <a:spcPct val="0"/>
+              </a:spcBef>
+              <a:spcAft>
+                <a:spcPct val="0"/>
+              </a:spcAft>
+              <a:buClrTx/>
+              <a:buSzTx/>
+              <a:buFontTx/>
+              <a:buNone/>
+              <a:tabLst/>
+            </a:pPr>
+            <a:endParaRPr kumimoji="0" lang="en-GB" altLang="en-US" sz="1800" b="0" i="0" u="none" strike="noStrike" cap="none" normalizeH="0" baseline="0" smtClean="0">
+              <a:ln>
+                <a:noFill/>
+              </a:ln>
+              <a:solidFill>
+                <a:schemeClr val="tx1"/>
+              </a:solidFill>
+              <a:effectLst/>
+              <a:latin typeface="Arial" panose="020B0604020202020204" pitchFamily="34" charset="0"/>
+            </a:endParaRPr>
+          </a:p>
+          <a:p>
+            <a:pPr marL="0" marR="0" lvl="0" indent="0" algn="l" defTabSz="914400" rtl="0" eaLnBrk="0" fontAlgn="base" latinLnBrk="0" hangingPunct="0">
+              <a:lnSpc>
+                <a:spcPct val="100000"/>
+              </a:lnSpc>
+              <a:spcBef>
+                <a:spcPct val="0"/>
+              </a:spcBef>
+              <a:spcAft>
+                <a:spcPct val="0"/>
+              </a:spcAft>
+              <a:buClrTx/>
+              <a:buSzTx/>
+              <a:buFontTx/>
+              <a:buNone/>
+              <a:tabLst/>
+            </a:pPr>
+            <a:endParaRPr kumimoji="0" lang="en-GB" altLang="en-US" sz="1800" b="0" i="0" u="none" strike="noStrike" cap="none" normalizeH="0" baseline="0" smtClean="0">
+              <a:ln>
+                <a:noFill/>
+              </a:ln>
+              <a:solidFill>
+                <a:schemeClr val="tx1"/>
+              </a:solidFill>
+              <a:effectLst/>
+              <a:latin typeface="Arial" panose="020B0604020202020204" pitchFamily="34" charset="0"/>
+            </a:endParaRPr>
+          </a:p>
+        </p:txBody>
+      </p:sp>
+      <p:sp>
+        <p:nvSpPr>
+          <p:cNvPr id="16" name="Rectangle 20"/>
+          <p:cNvSpPr>
+            <a:spLocks noChangeArrowheads="1"/>
+          </p:cNvSpPr>
+          <p:nvPr/>
+        </p:nvSpPr>
+        <p:spPr bwMode="auto">
+          <a:xfrm>
+            <a:off x="2209800" y="2695575"/>
+            <a:ext cx="12192000" cy="0"/>
+          </a:xfrm>
+          <a:prstGeom prst="rect">
+            <a:avLst/>
+          </a:prstGeom>
+          <a:noFill/>
+          <a:ln>
+            <a:noFill/>
+          </a:ln>
+          <a:effectLst/>
+          <a:extLst>
+            <a:ext uri="{909E8E84-426E-40DD-AFC4-6F175D3DCCD1}">
+              <a14:hiddenFill xmlns:a14="http://schemas.microsoft.com/office/drawing/2010/main">
+                <a:solidFill>
+                  <a:schemeClr val="accent1"/>
+                </a:solidFill>
+              </a14:hiddenFill>
+            </a:ext>
+            <a:ext uri="{91240B29-F687-4F45-9708-019B960494DF}">
+              <a14:hiddenLine xmlns:a14="http://schemas.microsoft.com/office/drawing/2010/main" w="9525">
+                <a:solidFill>
+                  <a:schemeClr val="tx1"/>
+                </a:solidFill>
+                <a:miter lim="800000"/>
+                <a:headEnd/>
+                <a:tailEnd/>
+              </a14:hiddenLine>
+            </a:ext>
+            <a:ext uri="{AF507438-7753-43E0-B8FC-AC1667EBCBE1}">
+              <a14:hiddenEffects xmlns:a14="http://schemas.microsoft.com/office/drawing/2010/main">
+                <a:effectLst>
+                  <a:outerShdw dist="35921" dir="2700000" algn="ctr" rotWithShape="0">
+                    <a:schemeClr val="bg2"/>
+                  </a:outerShdw>
+                </a:effectLst>
+              </a14:hiddenEffects>
+            </a:ext>
+          </a:extLst>
+        </p:spPr>
+        <p:txBody>
+          <a:bodyPr vert="horz" wrap="none" lIns="91440" tIns="45720" rIns="91440" bIns="45720" numCol="1" anchor="ctr" anchorCtr="0" compatLnSpc="1">
+            <a:prstTxWarp prst="textNoShape">
+              <a:avLst/>
+            </a:prstTxWarp>
+            <a:spAutoFit/>
+          </a:bodyPr>
+          <a:lstStyle/>
+          <a:p>
+            <a:pPr marL="0" marR="0" lvl="0" indent="0" algn="l" defTabSz="914400" rtl="0" eaLnBrk="0" fontAlgn="base" latinLnBrk="0" hangingPunct="0">
+              <a:lnSpc>
+                <a:spcPct val="100000"/>
+              </a:lnSpc>
+              <a:spcBef>
+                <a:spcPct val="0"/>
+              </a:spcBef>
+              <a:spcAft>
+                <a:spcPct val="0"/>
+              </a:spcAft>
+              <a:buClrTx/>
+              <a:buSzTx/>
+              <a:buFontTx/>
+              <a:buNone/>
+              <a:tabLst/>
+            </a:pPr>
+            <a:r>
+              <a:rPr kumimoji="0" lang="en-GB" altLang="en-US" sz="1100" b="0" i="0" u="none" strike="noStrike" cap="none" normalizeH="0" baseline="0" smtClean="0">
+                <a:ln>
+                  <a:noFill/>
+                </a:ln>
+                <a:solidFill>
+                  <a:schemeClr val="tx1"/>
+                </a:solidFill>
+                <a:effectLst/>
+                <a:latin typeface="Calibri" panose="020F0502020204030204" pitchFamily="34" charset="0"/>
+                <a:ea typeface="Calibri" panose="020F0502020204030204" pitchFamily="34" charset="0"/>
+                <a:cs typeface="Times New Roman" panose="02020603050405020304" pitchFamily="18" charset="0"/>
+              </a:rPr>
+              <a:t> </a:t>
+            </a:r>
+            <a:endParaRPr kumimoji="0" lang="en-GB" altLang="en-US" sz="800" b="0" i="0" u="none" strike="noStrike" cap="none" normalizeH="0" baseline="0" smtClean="0">
+              <a:ln>
+                <a:noFill/>
+              </a:ln>
+              <a:solidFill>
+                <a:schemeClr val="tx1"/>
+              </a:solidFill>
+              <a:effectLst/>
+            </a:endParaRPr>
+          </a:p>
+          <a:p>
+            <a:pPr marL="0" marR="0" lvl="0" indent="0" algn="l" defTabSz="914400" rtl="0" eaLnBrk="0" fontAlgn="base" latinLnBrk="0" hangingPunct="0">
+              <a:lnSpc>
+                <a:spcPct val="100000"/>
+              </a:lnSpc>
+              <a:spcBef>
+                <a:spcPct val="0"/>
+              </a:spcBef>
+              <a:spcAft>
+                <a:spcPct val="0"/>
+              </a:spcAft>
+              <a:buClrTx/>
+              <a:buSzTx/>
+              <a:buFontTx/>
+              <a:buNone/>
+              <a:tabLst/>
+            </a:pPr>
+            <a:endParaRPr kumimoji="0" lang="en-GB" altLang="en-US" sz="1800" b="0" i="0" u="none" strike="noStrike" cap="none" normalizeH="0" baseline="0" smtClean="0">
+              <a:ln>
+                <a:noFill/>
+              </a:ln>
+              <a:solidFill>
+                <a:schemeClr val="tx1"/>
+              </a:solidFill>
+              <a:effectLst/>
+              <a:latin typeface="Arial" panose="020B0604020202020204" pitchFamily="34" charset="0"/>
+            </a:endParaRPr>
+          </a:p>
+        </p:txBody>
+      </p:sp>
+      <p:sp>
+        <p:nvSpPr>
+          <p:cNvPr id="17" name="Rectangle 21"/>
+          <p:cNvSpPr>
+            <a:spLocks noChangeArrowheads="1"/>
+          </p:cNvSpPr>
+          <p:nvPr/>
+        </p:nvSpPr>
+        <p:spPr bwMode="auto">
+          <a:xfrm>
+            <a:off x="2209800" y="2695575"/>
+            <a:ext cx="12192000" cy="457200"/>
+          </a:xfrm>
+          <a:prstGeom prst="rect">
+            <a:avLst/>
+          </a:prstGeom>
+          <a:noFill/>
+          <a:ln>
+            <a:noFill/>
+          </a:ln>
+          <a:effectLst/>
+          <a:extLst>
+            <a:ext uri="{909E8E84-426E-40DD-AFC4-6F175D3DCCD1}">
+              <a14:hiddenFill xmlns:a14="http://schemas.microsoft.com/office/drawing/2010/main">
+                <a:solidFill>
+                  <a:schemeClr val="accent1"/>
+                </a:solidFill>
+              </a14:hiddenFill>
+            </a:ext>
+            <a:ext uri="{91240B29-F687-4F45-9708-019B960494DF}">
+              <a14:hiddenLine xmlns:a14="http://schemas.microsoft.com/office/drawing/2010/main" w="9525">
+                <a:solidFill>
+                  <a:schemeClr val="tx1"/>
+                </a:solidFill>
+                <a:miter lim="800000"/>
+                <a:headEnd/>
+                <a:tailEnd/>
+              </a14:hiddenLine>
+            </a:ext>
+            <a:ext uri="{AF507438-7753-43E0-B8FC-AC1667EBCBE1}">
+              <a14:hiddenEffects xmlns:a14="http://schemas.microsoft.com/office/drawing/2010/main">
+                <a:effectLst>
+                  <a:outerShdw dist="35921" dir="2700000" algn="ctr" rotWithShape="0">
+                    <a:schemeClr val="bg2"/>
+                  </a:outerShdw>
+                </a:effectLst>
+              </a14:hiddenEffects>
+            </a:ext>
+          </a:extLst>
+        </p:spPr>
+        <p:txBody>
+          <a:bodyPr vert="horz" wrap="none" lIns="91440" tIns="45720" rIns="91440" bIns="45720" numCol="1" anchor="ctr" anchorCtr="0" compatLnSpc="1">
+            <a:prstTxWarp prst="textNoShape">
+              <a:avLst/>
+            </a:prstTxWarp>
+            <a:spAutoFit/>
+          </a:bodyPr>
+          <a:lstStyle/>
+          <a:p>
+            <a:pPr marL="0" marR="0" lvl="0" indent="0" algn="l" defTabSz="914400" rtl="0" eaLnBrk="0" fontAlgn="base" latinLnBrk="0" hangingPunct="0">
+              <a:lnSpc>
+                <a:spcPct val="100000"/>
+              </a:lnSpc>
+              <a:spcBef>
+                <a:spcPct val="0"/>
+              </a:spcBef>
+              <a:spcAft>
+                <a:spcPct val="0"/>
+              </a:spcAft>
+              <a:buClrTx/>
+              <a:buSzTx/>
+              <a:buFontTx/>
+              <a:buNone/>
+              <a:tabLst/>
+            </a:pPr>
+            <a:endParaRPr kumimoji="0" lang="en-GB" altLang="en-US" sz="800" b="0" i="0" u="none" strike="noStrike" cap="none" normalizeH="0" baseline="0" smtClean="0">
+              <a:ln>
+                <a:noFill/>
+              </a:ln>
+              <a:solidFill>
+                <a:schemeClr val="tx1"/>
+              </a:solidFill>
+              <a:effectLst/>
+            </a:endParaRPr>
+          </a:p>
+          <a:p>
+            <a:pPr marL="0" marR="0" lvl="0" indent="0" algn="l" defTabSz="914400" rtl="0" eaLnBrk="0" fontAlgn="base" latinLnBrk="0" hangingPunct="0">
+              <a:lnSpc>
+                <a:spcPct val="100000"/>
+              </a:lnSpc>
+              <a:spcBef>
+                <a:spcPct val="0"/>
+              </a:spcBef>
+              <a:spcAft>
+                <a:spcPct val="0"/>
+              </a:spcAft>
+              <a:buClrTx/>
+              <a:buSzTx/>
+              <a:buFontTx/>
+              <a:buNone/>
+              <a:tabLst/>
+            </a:pPr>
+            <a:r>
+              <a:rPr kumimoji="0" lang="en-GB" altLang="en-US" sz="1800" b="0" i="0" u="none" strike="noStrike" cap="none" normalizeH="0" baseline="0" smtClean="0">
+                <a:ln>
+                  <a:noFill/>
+                </a:ln>
+                <a:solidFill>
+                  <a:schemeClr val="tx1"/>
+                </a:solidFill>
+                <a:effectLst/>
+                <a:latin typeface="Arial" panose="020B0604020202020204" pitchFamily="34" charset="0"/>
+              </a:rPr>
+              <a:t/>
+            </a:r>
+            <a:br>
+              <a:rPr kumimoji="0" lang="en-GB" altLang="en-US" sz="1800" b="0" i="0" u="none" strike="noStrike" cap="none" normalizeH="0" baseline="0" smtClean="0">
+                <a:ln>
+                  <a:noFill/>
+                </a:ln>
+                <a:solidFill>
+                  <a:schemeClr val="tx1"/>
+                </a:solidFill>
+                <a:effectLst/>
+                <a:latin typeface="Arial" panose="020B0604020202020204" pitchFamily="34" charset="0"/>
+              </a:rPr>
+            </a:br>
+            <a:endParaRPr kumimoji="0" lang="en-GB" altLang="en-US" sz="1800" b="0" i="0" u="none" strike="noStrike" cap="none" normalizeH="0" baseline="0" smtClean="0">
+              <a:ln>
+                <a:noFill/>
+              </a:ln>
+              <a:solidFill>
+                <a:schemeClr val="tx1"/>
+              </a:solidFill>
+              <a:effectLst/>
+              <a:latin typeface="Arial" panose="020B0604020202020204" pitchFamily="34" charset="0"/>
+            </a:endParaRPr>
+          </a:p>
+          <a:p>
+            <a:pPr marL="0" marR="0" lvl="0" indent="0" algn="l" defTabSz="914400" rtl="0" eaLnBrk="0" fontAlgn="base" latinLnBrk="0" hangingPunct="0">
+              <a:lnSpc>
+                <a:spcPct val="100000"/>
+              </a:lnSpc>
+              <a:spcBef>
+                <a:spcPct val="0"/>
+              </a:spcBef>
+              <a:spcAft>
+                <a:spcPct val="0"/>
+              </a:spcAft>
+              <a:buClrTx/>
+              <a:buSzTx/>
+              <a:buFontTx/>
+              <a:buNone/>
+              <a:tabLst/>
+            </a:pPr>
+            <a:endParaRPr kumimoji="0" lang="en-GB" altLang="en-US" sz="1800" b="0" i="0" u="none" strike="noStrike" cap="none" normalizeH="0" baseline="0" smtClean="0">
+              <a:ln>
+                <a:noFill/>
+              </a:ln>
+              <a:solidFill>
+                <a:schemeClr val="tx1"/>
+              </a:solidFill>
+              <a:effectLst/>
+              <a:latin typeface="Arial" panose="020B0604020202020204" pitchFamily="34" charset="0"/>
+            </a:endParaRPr>
+          </a:p>
+        </p:txBody>
+      </p:sp>
+      <p:sp>
+        <p:nvSpPr>
+          <p:cNvPr id="18" name="Rectangle 22"/>
+          <p:cNvSpPr>
+            <a:spLocks noChangeArrowheads="1"/>
+          </p:cNvSpPr>
+          <p:nvPr/>
+        </p:nvSpPr>
+        <p:spPr bwMode="auto">
+          <a:xfrm>
+            <a:off x="2209800" y="3152775"/>
+            <a:ext cx="12192000" cy="0"/>
+          </a:xfrm>
+          <a:prstGeom prst="rect">
+            <a:avLst/>
+          </a:prstGeom>
+          <a:noFill/>
+          <a:ln>
+            <a:noFill/>
+          </a:ln>
+          <a:effectLst/>
+          <a:extLst>
+            <a:ext uri="{909E8E84-426E-40DD-AFC4-6F175D3DCCD1}">
+              <a14:hiddenFill xmlns:a14="http://schemas.microsoft.com/office/drawing/2010/main">
+                <a:solidFill>
+                  <a:schemeClr val="accent1"/>
+                </a:solidFill>
+              </a14:hiddenFill>
+            </a:ext>
+            <a:ext uri="{91240B29-F687-4F45-9708-019B960494DF}">
+              <a14:hiddenLine xmlns:a14="http://schemas.microsoft.com/office/drawing/2010/main" w="9525">
+                <a:solidFill>
+                  <a:schemeClr val="tx1"/>
+                </a:solidFill>
+                <a:miter lim="800000"/>
+                <a:headEnd/>
+                <a:tailEnd/>
+              </a14:hiddenLine>
+            </a:ext>
+            <a:ext uri="{AF507438-7753-43E0-B8FC-AC1667EBCBE1}">
+              <a14:hiddenEffects xmlns:a14="http://schemas.microsoft.com/office/drawing/2010/main">
+                <a:effectLst>
+                  <a:outerShdw dist="35921" dir="2700000" algn="ctr" rotWithShape="0">
+                    <a:schemeClr val="bg2"/>
+                  </a:outerShdw>
+                </a:effectLst>
+              </a14:hiddenEffects>
+            </a:ext>
+          </a:extLst>
+        </p:spPr>
+        <p:txBody>
+          <a:bodyPr vert="horz" wrap="none" lIns="91440" tIns="45720" rIns="91440" bIns="45720" numCol="1" anchor="ctr" anchorCtr="0" compatLnSpc="1">
+            <a:prstTxWarp prst="textNoShape">
+              <a:avLst/>
+            </a:prstTxWarp>
+            <a:spAutoFit/>
+          </a:bodyPr>
+          <a:lstStyle/>
+          <a:p>
+            <a:pPr marL="0" marR="0" lvl="0" indent="0" algn="l" defTabSz="914400" rtl="0" eaLnBrk="0" fontAlgn="base" latinLnBrk="0" hangingPunct="0">
+              <a:lnSpc>
+                <a:spcPct val="100000"/>
+              </a:lnSpc>
+              <a:spcBef>
+                <a:spcPct val="0"/>
+              </a:spcBef>
+              <a:spcAft>
+                <a:spcPct val="0"/>
+              </a:spcAft>
+              <a:buClrTx/>
+              <a:buSzTx/>
+              <a:buFontTx/>
+              <a:buNone/>
+              <a:tabLst/>
+            </a:pPr>
+            <a:endParaRPr kumimoji="0" lang="en-GB" altLang="en-US" sz="1800" b="0" i="0" u="none" strike="noStrike" cap="none" normalizeH="0" baseline="0" smtClean="0">
+              <a:ln>
+                <a:noFill/>
+              </a:ln>
+              <a:solidFill>
+                <a:schemeClr val="tx1"/>
+              </a:solidFill>
+              <a:effectLst/>
+              <a:latin typeface="Arial" panose="020B0604020202020204" pitchFamily="34" charset="0"/>
+            </a:endParaRPr>
+          </a:p>
+          <a:p>
+            <a:pPr marL="0" marR="0" lvl="0" indent="0" algn="l" defTabSz="914400" rtl="0" eaLnBrk="0" fontAlgn="base" latinLnBrk="0" hangingPunct="0">
+              <a:lnSpc>
+                <a:spcPct val="100000"/>
+              </a:lnSpc>
+              <a:spcBef>
+                <a:spcPct val="0"/>
+              </a:spcBef>
+              <a:spcAft>
+                <a:spcPct val="0"/>
+              </a:spcAft>
+              <a:buClrTx/>
+              <a:buSzTx/>
+              <a:buFontTx/>
+              <a:buNone/>
+              <a:tabLst/>
+            </a:pPr>
+            <a:endParaRPr kumimoji="0" lang="en-GB" altLang="en-US" sz="1800" b="0" i="0" u="none" strike="noStrike" cap="none" normalizeH="0" baseline="0" smtClean="0">
+              <a:ln>
+                <a:noFill/>
+              </a:ln>
+              <a:solidFill>
+                <a:schemeClr val="tx1"/>
+              </a:solidFill>
+              <a:effectLst/>
+              <a:latin typeface="Arial" panose="020B0604020202020204" pitchFamily="34" charset="0"/>
+            </a:endParaRPr>
+          </a:p>
+        </p:txBody>
+      </p:sp>
+      <p:sp>
+        <p:nvSpPr>
+          <p:cNvPr id="19" name="Rectangle 23"/>
+          <p:cNvSpPr>
+            <a:spLocks noChangeArrowheads="1"/>
+          </p:cNvSpPr>
+          <p:nvPr/>
+        </p:nvSpPr>
+        <p:spPr bwMode="auto">
+          <a:xfrm>
+            <a:off x="2209800" y="3152775"/>
+            <a:ext cx="12192000" cy="0"/>
+          </a:xfrm>
+          <a:prstGeom prst="rect">
+            <a:avLst/>
+          </a:prstGeom>
+          <a:noFill/>
+          <a:ln>
+            <a:noFill/>
+          </a:ln>
+          <a:effectLst/>
+          <a:extLst>
+            <a:ext uri="{909E8E84-426E-40DD-AFC4-6F175D3DCCD1}">
+              <a14:hiddenFill xmlns:a14="http://schemas.microsoft.com/office/drawing/2010/main">
+                <a:solidFill>
+                  <a:schemeClr val="accent1"/>
+                </a:solidFill>
+              </a14:hiddenFill>
+            </a:ext>
+            <a:ext uri="{91240B29-F687-4F45-9708-019B960494DF}">
+              <a14:hiddenLine xmlns:a14="http://schemas.microsoft.com/office/drawing/2010/main" w="9525">
+                <a:solidFill>
+                  <a:schemeClr val="tx1"/>
+                </a:solidFill>
+                <a:miter lim="800000"/>
+                <a:headEnd/>
+                <a:tailEnd/>
+              </a14:hiddenLine>
+            </a:ext>
+            <a:ext uri="{AF507438-7753-43E0-B8FC-AC1667EBCBE1}">
+              <a14:hiddenEffects xmlns:a14="http://schemas.microsoft.com/office/drawing/2010/main">
+                <a:effectLst>
+                  <a:outerShdw dist="35921" dir="2700000" algn="ctr" rotWithShape="0">
+                    <a:schemeClr val="bg2"/>
+                  </a:outerShdw>
+                </a:effectLst>
+              </a14:hiddenEffects>
+            </a:ext>
+          </a:extLst>
+        </p:spPr>
+        <p:txBody>
+          <a:bodyPr vert="horz" wrap="none" lIns="91440" tIns="45720" rIns="91440" bIns="45720" numCol="1" anchor="ctr" anchorCtr="0" compatLnSpc="1">
+            <a:prstTxWarp prst="textNoShape">
+              <a:avLst/>
+            </a:prstTxWarp>
+            <a:spAutoFit/>
+          </a:bodyPr>
+          <a:lstStyle/>
+          <a:p>
+            <a:pPr marL="0" marR="0" lvl="0" indent="0" algn="l" defTabSz="914400" rtl="0" eaLnBrk="0" fontAlgn="base" latinLnBrk="0" hangingPunct="0">
+              <a:lnSpc>
+                <a:spcPct val="100000"/>
+              </a:lnSpc>
+              <a:spcBef>
+                <a:spcPct val="0"/>
+              </a:spcBef>
+              <a:spcAft>
+                <a:spcPct val="0"/>
+              </a:spcAft>
+              <a:buClrTx/>
+              <a:buSzTx/>
+              <a:buFontTx/>
+              <a:buNone/>
+              <a:tabLst/>
+            </a:pPr>
+            <a:endParaRPr kumimoji="0" lang="en-GB" altLang="en-US" sz="800" b="0" i="0" u="none" strike="noStrike" cap="none" normalizeH="0" baseline="0" smtClean="0">
+              <a:ln>
+                <a:noFill/>
+              </a:ln>
+              <a:solidFill>
+                <a:schemeClr val="tx1"/>
+              </a:solidFill>
+              <a:effectLst/>
+            </a:endParaRPr>
+          </a:p>
+          <a:p>
+            <a:pPr marL="0" marR="0" lvl="0" indent="0" algn="l" defTabSz="914400" rtl="0" eaLnBrk="0" fontAlgn="base" latinLnBrk="0" hangingPunct="0">
+              <a:lnSpc>
+                <a:spcPct val="100000"/>
+              </a:lnSpc>
+              <a:spcBef>
+                <a:spcPct val="0"/>
+              </a:spcBef>
+              <a:spcAft>
+                <a:spcPct val="0"/>
+              </a:spcAft>
+              <a:buClrTx/>
+              <a:buSzTx/>
+              <a:buFontTx/>
+              <a:buNone/>
+              <a:tabLst/>
+            </a:pPr>
+            <a:r>
+              <a:rPr kumimoji="0" lang="en-GB" altLang="en-US" sz="1800" b="0" i="0" u="none" strike="noStrike" cap="none" normalizeH="0" baseline="0" smtClean="0">
+                <a:ln>
+                  <a:noFill/>
+                </a:ln>
+                <a:solidFill>
+                  <a:schemeClr val="tx1"/>
+                </a:solidFill>
+                <a:effectLst/>
+                <a:latin typeface="Arial" panose="020B0604020202020204" pitchFamily="34" charset="0"/>
+              </a:rPr>
+              <a:t> </a:t>
+            </a:r>
           </a:p>
         </p:txBody>
       </p:sp>
